--- a/Specification Docs/Flow of Application.pptx
+++ b/Specification Docs/Flow of Application.pptx
@@ -243,7 +243,7 @@
           <a:p>
             <a:fld id="{B8E1CBDC-8EB3-4069-8859-733232862DBD}" type="datetimeFigureOut">
               <a:rPr lang="en-US" smtClean="0"/>
-              <a:t>23-Jan-21</a:t>
+              <a:t>12/20/2022</a:t>
             </a:fld>
             <a:endParaRPr lang="en-US"/>
           </a:p>
@@ -413,7 +413,7 @@
           <a:p>
             <a:fld id="{B8E1CBDC-8EB3-4069-8859-733232862DBD}" type="datetimeFigureOut">
               <a:rPr lang="en-US" smtClean="0"/>
-              <a:t>23-Jan-21</a:t>
+              <a:t>12/20/2022</a:t>
             </a:fld>
             <a:endParaRPr lang="en-US"/>
           </a:p>
@@ -593,7 +593,7 @@
           <a:p>
             <a:fld id="{B8E1CBDC-8EB3-4069-8859-733232862DBD}" type="datetimeFigureOut">
               <a:rPr lang="en-US" smtClean="0"/>
-              <a:t>23-Jan-21</a:t>
+              <a:t>12/20/2022</a:t>
             </a:fld>
             <a:endParaRPr lang="en-US"/>
           </a:p>
@@ -763,7 +763,7 @@
           <a:p>
             <a:fld id="{B8E1CBDC-8EB3-4069-8859-733232862DBD}" type="datetimeFigureOut">
               <a:rPr lang="en-US" smtClean="0"/>
-              <a:t>23-Jan-21</a:t>
+              <a:t>12/20/2022</a:t>
             </a:fld>
             <a:endParaRPr lang="en-US"/>
           </a:p>
@@ -1009,7 +1009,7 @@
           <a:p>
             <a:fld id="{B8E1CBDC-8EB3-4069-8859-733232862DBD}" type="datetimeFigureOut">
               <a:rPr lang="en-US" smtClean="0"/>
-              <a:t>23-Jan-21</a:t>
+              <a:t>12/20/2022</a:t>
             </a:fld>
             <a:endParaRPr lang="en-US"/>
           </a:p>
@@ -1241,7 +1241,7 @@
           <a:p>
             <a:fld id="{B8E1CBDC-8EB3-4069-8859-733232862DBD}" type="datetimeFigureOut">
               <a:rPr lang="en-US" smtClean="0"/>
-              <a:t>23-Jan-21</a:t>
+              <a:t>12/20/2022</a:t>
             </a:fld>
             <a:endParaRPr lang="en-US"/>
           </a:p>
@@ -1608,7 +1608,7 @@
           <a:p>
             <a:fld id="{B8E1CBDC-8EB3-4069-8859-733232862DBD}" type="datetimeFigureOut">
               <a:rPr lang="en-US" smtClean="0"/>
-              <a:t>23-Jan-21</a:t>
+              <a:t>12/20/2022</a:t>
             </a:fld>
             <a:endParaRPr lang="en-US"/>
           </a:p>
@@ -1726,7 +1726,7 @@
           <a:p>
             <a:fld id="{B8E1CBDC-8EB3-4069-8859-733232862DBD}" type="datetimeFigureOut">
               <a:rPr lang="en-US" smtClean="0"/>
-              <a:t>23-Jan-21</a:t>
+              <a:t>12/20/2022</a:t>
             </a:fld>
             <a:endParaRPr lang="en-US"/>
           </a:p>
@@ -1821,7 +1821,7 @@
           <a:p>
             <a:fld id="{B8E1CBDC-8EB3-4069-8859-733232862DBD}" type="datetimeFigureOut">
               <a:rPr lang="en-US" smtClean="0"/>
-              <a:t>23-Jan-21</a:t>
+              <a:t>12/20/2022</a:t>
             </a:fld>
             <a:endParaRPr lang="en-US"/>
           </a:p>
@@ -2098,7 +2098,7 @@
           <a:p>
             <a:fld id="{B8E1CBDC-8EB3-4069-8859-733232862DBD}" type="datetimeFigureOut">
               <a:rPr lang="en-US" smtClean="0"/>
-              <a:t>23-Jan-21</a:t>
+              <a:t>12/20/2022</a:t>
             </a:fld>
             <a:endParaRPr lang="en-US"/>
           </a:p>
@@ -2355,7 +2355,7 @@
           <a:p>
             <a:fld id="{B8E1CBDC-8EB3-4069-8859-733232862DBD}" type="datetimeFigureOut">
               <a:rPr lang="en-US" smtClean="0"/>
-              <a:t>23-Jan-21</a:t>
+              <a:t>12/20/2022</a:t>
             </a:fld>
             <a:endParaRPr lang="en-US"/>
           </a:p>
@@ -2568,7 +2568,7 @@
           <a:p>
             <a:fld id="{B8E1CBDC-8EB3-4069-8859-733232862DBD}" type="datetimeFigureOut">
               <a:rPr lang="en-US" smtClean="0"/>
-              <a:t>23-Jan-21</a:t>
+              <a:t>12/20/2022</a:t>
             </a:fld>
             <a:endParaRPr lang="en-US"/>
           </a:p>
@@ -2993,6 +2993,11 @@
           <a:prstGeom prst="rect">
             <a:avLst/>
           </a:prstGeom>
+          <a:solidFill>
+            <a:schemeClr val="accent6">
+              <a:lumMod val="75000"/>
+            </a:schemeClr>
+          </a:solidFill>
         </p:spPr>
         <p:style>
           <a:lnRef idx="2">
@@ -3092,6 +3097,11 @@
           <a:prstGeom prst="rect">
             <a:avLst/>
           </a:prstGeom>
+          <a:solidFill>
+            <a:schemeClr val="accent6">
+              <a:lumMod val="75000"/>
+            </a:schemeClr>
+          </a:solidFill>
         </p:spPr>
         <p:style>
           <a:lnRef idx="2">
@@ -3141,6 +3151,11 @@
           <a:prstGeom prst="rect">
             <a:avLst/>
           </a:prstGeom>
+          <a:solidFill>
+            <a:schemeClr val="accent6">
+              <a:lumMod val="75000"/>
+            </a:schemeClr>
+          </a:solidFill>
         </p:spPr>
         <p:style>
           <a:lnRef idx="2">
@@ -3190,6 +3205,11 @@
           <a:prstGeom prst="rect">
             <a:avLst/>
           </a:prstGeom>
+          <a:solidFill>
+            <a:schemeClr val="accent6">
+              <a:lumMod val="75000"/>
+            </a:schemeClr>
+          </a:solidFill>
         </p:spPr>
         <p:style>
           <a:lnRef idx="2">
@@ -3519,6 +3539,11 @@
           <a:prstGeom prst="flowChartDecision">
             <a:avLst/>
           </a:prstGeom>
+          <a:solidFill>
+            <a:schemeClr val="accent6">
+              <a:lumMod val="75000"/>
+            </a:schemeClr>
+          </a:solidFill>
         </p:spPr>
         <p:style>
           <a:lnRef idx="2">
@@ -3568,6 +3593,11 @@
           <a:prstGeom prst="flowChartProcess">
             <a:avLst/>
           </a:prstGeom>
+          <a:solidFill>
+            <a:schemeClr val="accent6">
+              <a:lumMod val="75000"/>
+            </a:schemeClr>
+          </a:solidFill>
         </p:spPr>
         <p:style>
           <a:lnRef idx="2">
@@ -3695,6 +3725,11 @@
           <a:prstGeom prst="flowChartTerminator">
             <a:avLst/>
           </a:prstGeom>
+          <a:solidFill>
+            <a:schemeClr val="accent6">
+              <a:lumMod val="75000"/>
+            </a:schemeClr>
+          </a:solidFill>
         </p:spPr>
         <p:style>
           <a:lnRef idx="2">
@@ -3744,6 +3779,11 @@
           <a:prstGeom prst="flowChartTerminator">
             <a:avLst/>
           </a:prstGeom>
+          <a:solidFill>
+            <a:schemeClr val="accent6">
+              <a:lumMod val="75000"/>
+            </a:schemeClr>
+          </a:solidFill>
         </p:spPr>
         <p:style>
           <a:lnRef idx="2">
@@ -4062,6 +4102,11 @@
           <a:prstGeom prst="flowChartProcess">
             <a:avLst/>
           </a:prstGeom>
+          <a:solidFill>
+            <a:schemeClr val="accent6">
+              <a:lumMod val="75000"/>
+            </a:schemeClr>
+          </a:solidFill>
         </p:spPr>
         <p:style>
           <a:lnRef idx="2">
@@ -4153,6 +4198,11 @@
           <a:prstGeom prst="flowChartProcess">
             <a:avLst/>
           </a:prstGeom>
+          <a:solidFill>
+            <a:schemeClr val="accent6">
+              <a:lumMod val="75000"/>
+            </a:schemeClr>
+          </a:solidFill>
         </p:spPr>
         <p:style>
           <a:lnRef idx="2">
@@ -4287,6 +4337,11 @@
           <a:prstGeom prst="flowChartProcess">
             <a:avLst/>
           </a:prstGeom>
+          <a:solidFill>
+            <a:schemeClr val="accent6">
+              <a:lumMod val="75000"/>
+            </a:schemeClr>
+          </a:solidFill>
         </p:spPr>
         <p:style>
           <a:lnRef idx="2">
@@ -4414,6 +4469,11 @@
           <a:prstGeom prst="rect">
             <a:avLst/>
           </a:prstGeom>
+          <a:solidFill>
+            <a:schemeClr val="accent6">
+              <a:lumMod val="75000"/>
+            </a:schemeClr>
+          </a:solidFill>
         </p:spPr>
         <p:style>
           <a:lnRef idx="2">
@@ -4470,6 +4530,11 @@
           <a:prstGeom prst="flowChartDecision">
             <a:avLst/>
           </a:prstGeom>
+          <a:solidFill>
+            <a:schemeClr val="accent6">
+              <a:lumMod val="75000"/>
+            </a:schemeClr>
+          </a:solidFill>
         </p:spPr>
         <p:style>
           <a:lnRef idx="2">
@@ -4561,6 +4626,11 @@
           <a:prstGeom prst="flowChartProcess">
             <a:avLst/>
           </a:prstGeom>
+          <a:solidFill>
+            <a:schemeClr val="accent6">
+              <a:lumMod val="75000"/>
+            </a:schemeClr>
+          </a:solidFill>
         </p:spPr>
         <p:style>
           <a:lnRef idx="2">
@@ -4688,6 +4758,11 @@
           <a:prstGeom prst="flowChartDecision">
             <a:avLst/>
           </a:prstGeom>
+          <a:solidFill>
+            <a:schemeClr val="accent6">
+              <a:lumMod val="75000"/>
+            </a:schemeClr>
+          </a:solidFill>
         </p:spPr>
         <p:style>
           <a:lnRef idx="2">
@@ -4815,6 +4890,11 @@
           <a:prstGeom prst="flowChartProcess">
             <a:avLst/>
           </a:prstGeom>
+          <a:solidFill>
+            <a:schemeClr val="accent6">
+              <a:lumMod val="75000"/>
+            </a:schemeClr>
+          </a:solidFill>
         </p:spPr>
         <p:style>
           <a:lnRef idx="2">
@@ -4942,6 +5022,11 @@
           <a:prstGeom prst="flowChartDecision">
             <a:avLst/>
           </a:prstGeom>
+          <a:solidFill>
+            <a:schemeClr val="accent6">
+              <a:lumMod val="75000"/>
+            </a:schemeClr>
+          </a:solidFill>
         </p:spPr>
         <p:style>
           <a:lnRef idx="2">
@@ -5069,6 +5154,11 @@
           <a:prstGeom prst="flowChartProcess">
             <a:avLst/>
           </a:prstGeom>
+          <a:solidFill>
+            <a:schemeClr val="accent6">
+              <a:lumMod val="75000"/>
+            </a:schemeClr>
+          </a:solidFill>
         </p:spPr>
         <p:style>
           <a:lnRef idx="2">
@@ -5196,6 +5286,11 @@
           <a:prstGeom prst="flowChartDecision">
             <a:avLst/>
           </a:prstGeom>
+          <a:solidFill>
+            <a:schemeClr val="accent6">
+              <a:lumMod val="75000"/>
+            </a:schemeClr>
+          </a:solidFill>
         </p:spPr>
         <p:style>
           <a:lnRef idx="2">
@@ -5358,6 +5453,11 @@
           <a:prstGeom prst="flowChartProcess">
             <a:avLst/>
           </a:prstGeom>
+          <a:solidFill>
+            <a:schemeClr val="accent6">
+              <a:lumMod val="75000"/>
+            </a:schemeClr>
+          </a:solidFill>
         </p:spPr>
         <p:style>
           <a:lnRef idx="2">
@@ -5449,6 +5549,11 @@
           <a:prstGeom prst="flowChartDecision">
             <a:avLst/>
           </a:prstGeom>
+          <a:solidFill>
+            <a:schemeClr val="accent6">
+              <a:lumMod val="75000"/>
+            </a:schemeClr>
+          </a:solidFill>
         </p:spPr>
         <p:style>
           <a:lnRef idx="2">
@@ -5611,6 +5716,11 @@
           <a:prstGeom prst="flowChartProcess">
             <a:avLst/>
           </a:prstGeom>
+          <a:solidFill>
+            <a:schemeClr val="accent6">
+              <a:lumMod val="75000"/>
+            </a:schemeClr>
+          </a:solidFill>
         </p:spPr>
         <p:style>
           <a:lnRef idx="2">
@@ -6027,6 +6137,114 @@
           </a:fontRef>
         </p:style>
       </p:cxnSp>
+      <p:sp>
+        <p:nvSpPr>
+          <p:cNvPr id="8" name="Flowchart: Decision 7">
+            <a:extLst>
+              <a:ext uri="{FF2B5EF4-FFF2-40B4-BE49-F238E27FC236}">
+                <a16:creationId xmlns:a16="http://schemas.microsoft.com/office/drawing/2014/main" id="{58A55B89-1578-D080-A7E8-9B6B3E9AC00A}"/>
+              </a:ext>
+            </a:extLst>
+          </p:cNvPr>
+          <p:cNvSpPr/>
+          <p:nvPr/>
+        </p:nvSpPr>
+        <p:spPr>
+          <a:xfrm>
+            <a:off x="4835603" y="1842104"/>
+            <a:ext cx="1308099" cy="846482"/>
+          </a:xfrm>
+          <a:prstGeom prst="flowChartDecision">
+            <a:avLst/>
+          </a:prstGeom>
+          <a:solidFill>
+            <a:schemeClr val="accent6">
+              <a:lumMod val="75000"/>
+            </a:schemeClr>
+          </a:solidFill>
+        </p:spPr>
+        <p:style>
+          <a:lnRef idx="2">
+            <a:schemeClr val="accent1">
+              <a:shade val="50000"/>
+            </a:schemeClr>
+          </a:lnRef>
+          <a:fillRef idx="1">
+            <a:schemeClr val="accent1"/>
+          </a:fillRef>
+          <a:effectRef idx="0">
+            <a:schemeClr val="accent1"/>
+          </a:effectRef>
+          <a:fontRef idx="minor">
+            <a:schemeClr val="lt1"/>
+          </a:fontRef>
+        </p:style>
+        <p:txBody>
+          <a:bodyPr rtlCol="0" anchor="ctr"/>
+          <a:lstStyle/>
+          <a:p>
+            <a:pPr algn="ctr"/>
+            <a:r>
+              <a:rPr lang="en-US" sz="1200" dirty="0"/>
+              <a:t>Case 1</a:t>
+            </a:r>
+          </a:p>
+        </p:txBody>
+      </p:sp>
+      <p:sp>
+        <p:nvSpPr>
+          <p:cNvPr id="9" name="Flowchart: Decision 8">
+            <a:extLst>
+              <a:ext uri="{FF2B5EF4-FFF2-40B4-BE49-F238E27FC236}">
+                <a16:creationId xmlns:a16="http://schemas.microsoft.com/office/drawing/2014/main" id="{A4045B34-DA5D-9DCF-EF39-66C40A21C5F4}"/>
+              </a:ext>
+            </a:extLst>
+          </p:cNvPr>
+          <p:cNvSpPr/>
+          <p:nvPr/>
+        </p:nvSpPr>
+        <p:spPr>
+          <a:xfrm>
+            <a:off x="4836590" y="3236739"/>
+            <a:ext cx="1308099" cy="846482"/>
+          </a:xfrm>
+          <a:prstGeom prst="flowChartDecision">
+            <a:avLst/>
+          </a:prstGeom>
+          <a:solidFill>
+            <a:schemeClr val="accent6">
+              <a:lumMod val="75000"/>
+            </a:schemeClr>
+          </a:solidFill>
+        </p:spPr>
+        <p:style>
+          <a:lnRef idx="2">
+            <a:schemeClr val="accent1">
+              <a:shade val="50000"/>
+            </a:schemeClr>
+          </a:lnRef>
+          <a:fillRef idx="1">
+            <a:schemeClr val="accent1"/>
+          </a:fillRef>
+          <a:effectRef idx="0">
+            <a:schemeClr val="accent1"/>
+          </a:effectRef>
+          <a:fontRef idx="minor">
+            <a:schemeClr val="lt1"/>
+          </a:fontRef>
+        </p:style>
+        <p:txBody>
+          <a:bodyPr rtlCol="0" anchor="ctr"/>
+          <a:lstStyle/>
+          <a:p>
+            <a:pPr algn="ctr"/>
+            <a:r>
+              <a:rPr lang="en-US" sz="1200" dirty="0"/>
+              <a:t>Case 2</a:t>
+            </a:r>
+          </a:p>
+        </p:txBody>
+      </p:sp>
     </p:spTree>
     <p:extLst>
       <p:ext uri="{BB962C8B-B14F-4D97-AF65-F5344CB8AC3E}">
